--- a/pptx/fig4.pptx
+++ b/pptx/fig4.pptx
@@ -106,7 +106,7 @@
   </p:defaultTextStyle>
   <p:extLst>
     <p:ext uri="{EFAFB233-063F-42B5-8137-9DF3F51BA10A}">
-      <p15:sldGuideLst xmlns:p15="http://schemas.microsoft.com/office/powerpoint/2012/main"/>
+      <p15:sldGuideLst xmlns:p15="http://schemas.microsoft.com/office/powerpoint/2012/main" xmlns=""/>
     </p:ext>
   </p:extLst>
 </p:presentation>
@@ -243,7 +243,7 @@
           <a:p>
             <a:fld id="{B81EF0E6-7456-45B9-A9E8-FB65E7325BBE}" type="datetimeFigureOut">
               <a:rPr lang="zh-CN" altLang="en-US" smtClean="0"/>
-              <a:t>2015/4/28</a:t>
+              <a:t>15/5/10</a:t>
             </a:fld>
             <a:endParaRPr lang="zh-CN" altLang="en-US"/>
           </a:p>
@@ -413,7 +413,7 @@
           <a:p>
             <a:fld id="{B81EF0E6-7456-45B9-A9E8-FB65E7325BBE}" type="datetimeFigureOut">
               <a:rPr lang="zh-CN" altLang="en-US" smtClean="0"/>
-              <a:t>2015/4/28</a:t>
+              <a:t>15/5/10</a:t>
             </a:fld>
             <a:endParaRPr lang="zh-CN" altLang="en-US"/>
           </a:p>
@@ -593,7 +593,7 @@
           <a:p>
             <a:fld id="{B81EF0E6-7456-45B9-A9E8-FB65E7325BBE}" type="datetimeFigureOut">
               <a:rPr lang="zh-CN" altLang="en-US" smtClean="0"/>
-              <a:t>2015/4/28</a:t>
+              <a:t>15/5/10</a:t>
             </a:fld>
             <a:endParaRPr lang="zh-CN" altLang="en-US"/>
           </a:p>
@@ -763,7 +763,7 @@
           <a:p>
             <a:fld id="{B81EF0E6-7456-45B9-A9E8-FB65E7325BBE}" type="datetimeFigureOut">
               <a:rPr lang="zh-CN" altLang="en-US" smtClean="0"/>
-              <a:t>2015/4/28</a:t>
+              <a:t>15/5/10</a:t>
             </a:fld>
             <a:endParaRPr lang="zh-CN" altLang="en-US"/>
           </a:p>
@@ -1009,7 +1009,7 @@
           <a:p>
             <a:fld id="{B81EF0E6-7456-45B9-A9E8-FB65E7325BBE}" type="datetimeFigureOut">
               <a:rPr lang="zh-CN" altLang="en-US" smtClean="0"/>
-              <a:t>2015/4/28</a:t>
+              <a:t>15/5/10</a:t>
             </a:fld>
             <a:endParaRPr lang="zh-CN" altLang="en-US"/>
           </a:p>
@@ -1241,7 +1241,7 @@
           <a:p>
             <a:fld id="{B81EF0E6-7456-45B9-A9E8-FB65E7325BBE}" type="datetimeFigureOut">
               <a:rPr lang="zh-CN" altLang="en-US" smtClean="0"/>
-              <a:t>2015/4/28</a:t>
+              <a:t>15/5/10</a:t>
             </a:fld>
             <a:endParaRPr lang="zh-CN" altLang="en-US"/>
           </a:p>
@@ -1608,7 +1608,7 @@
           <a:p>
             <a:fld id="{B81EF0E6-7456-45B9-A9E8-FB65E7325BBE}" type="datetimeFigureOut">
               <a:rPr lang="zh-CN" altLang="en-US" smtClean="0"/>
-              <a:t>2015/4/28</a:t>
+              <a:t>15/5/10</a:t>
             </a:fld>
             <a:endParaRPr lang="zh-CN" altLang="en-US"/>
           </a:p>
@@ -1726,7 +1726,7 @@
           <a:p>
             <a:fld id="{B81EF0E6-7456-45B9-A9E8-FB65E7325BBE}" type="datetimeFigureOut">
               <a:rPr lang="zh-CN" altLang="en-US" smtClean="0"/>
-              <a:t>2015/4/28</a:t>
+              <a:t>15/5/10</a:t>
             </a:fld>
             <a:endParaRPr lang="zh-CN" altLang="en-US"/>
           </a:p>
@@ -1821,7 +1821,7 @@
           <a:p>
             <a:fld id="{B81EF0E6-7456-45B9-A9E8-FB65E7325BBE}" type="datetimeFigureOut">
               <a:rPr lang="zh-CN" altLang="en-US" smtClean="0"/>
-              <a:t>2015/4/28</a:t>
+              <a:t>15/5/10</a:t>
             </a:fld>
             <a:endParaRPr lang="zh-CN" altLang="en-US"/>
           </a:p>
@@ -2098,7 +2098,7 @@
           <a:p>
             <a:fld id="{B81EF0E6-7456-45B9-A9E8-FB65E7325BBE}" type="datetimeFigureOut">
               <a:rPr lang="zh-CN" altLang="en-US" smtClean="0"/>
-              <a:t>2015/4/28</a:t>
+              <a:t>15/5/10</a:t>
             </a:fld>
             <a:endParaRPr lang="zh-CN" altLang="en-US"/>
           </a:p>
@@ -2355,7 +2355,7 @@
           <a:p>
             <a:fld id="{B81EF0E6-7456-45B9-A9E8-FB65E7325BBE}" type="datetimeFigureOut">
               <a:rPr lang="zh-CN" altLang="en-US" smtClean="0"/>
-              <a:t>2015/4/28</a:t>
+              <a:t>15/5/10</a:t>
             </a:fld>
             <a:endParaRPr lang="zh-CN" altLang="en-US"/>
           </a:p>
@@ -2568,7 +2568,7 @@
           <a:p>
             <a:fld id="{B81EF0E6-7456-45B9-A9E8-FB65E7325BBE}" type="datetimeFigureOut">
               <a:rPr lang="zh-CN" altLang="en-US" smtClean="0"/>
-              <a:t>2015/4/28</a:t>
+              <a:t>15/5/10</a:t>
             </a:fld>
             <a:endParaRPr lang="zh-CN" altLang="en-US"/>
           </a:p>
@@ -3097,14 +3097,14 @@
       </p:sp>
       <p:sp>
         <p:nvSpPr>
-          <p:cNvPr id="7" name="文本框 6"/>
+          <p:cNvPr id="8" name="文本框 7"/>
           <p:cNvSpPr txBox="1"/>
           <p:nvPr/>
         </p:nvSpPr>
         <p:spPr>
           <a:xfrm>
-            <a:off x="478963" y="1209031"/>
-            <a:ext cx="309700" cy="230832"/>
+            <a:off x="1267194" y="1209031"/>
+            <a:ext cx="344328" cy="261610"/>
           </a:xfrm>
           <a:prstGeom prst="rect">
             <a:avLst/>
@@ -3121,43 +3121,10 @@
           <a:lstStyle/>
           <a:p>
             <a:r>
-              <a:rPr lang="en-US" altLang="zh-CN" sz="900" dirty="0" smtClean="0"/>
-              <a:t>(a)</a:t>
-            </a:r>
-            <a:endParaRPr lang="zh-CN" altLang="en-US" sz="900" dirty="0"/>
-          </a:p>
-        </p:txBody>
-      </p:sp>
-      <p:sp>
-        <p:nvSpPr>
-          <p:cNvPr id="8" name="文本框 7"/>
-          <p:cNvSpPr txBox="1"/>
-          <p:nvPr/>
-        </p:nvSpPr>
-        <p:spPr>
-          <a:xfrm>
-            <a:off x="2092694" y="1209031"/>
-            <a:ext cx="316112" cy="230832"/>
-          </a:xfrm>
-          <a:prstGeom prst="rect">
-            <a:avLst/>
-          </a:prstGeom>
-          <a:noFill/>
-          <a:ln w="19050">
-            <a:noFill/>
-          </a:ln>
-        </p:spPr>
-        <p:txBody>
-          <a:bodyPr wrap="none" rtlCol="0">
-            <a:spAutoFit/>
-          </a:bodyPr>
-          <a:lstStyle/>
-          <a:p>
-            <a:r>
-              <a:rPr lang="en-US" altLang="zh-CN" sz="900" dirty="0" smtClean="0"/>
+              <a:rPr lang="en-US" altLang="zh-CN" sz="1100" dirty="0" smtClean="0"/>
               <a:t>(b)</a:t>
             </a:r>
-            <a:endParaRPr lang="zh-CN" altLang="en-US" sz="900" dirty="0"/>
+            <a:endParaRPr lang="zh-CN" altLang="en-US" sz="1100" dirty="0"/>
           </a:p>
         </p:txBody>
       </p:sp>
@@ -3849,7 +3816,7 @@
     </a:clrScheme>
     <a:fontScheme name="Office 主题">
       <a:majorFont>
-        <a:latin typeface="Calibri Light" panose="020F0302020204030204"/>
+        <a:latin typeface="Calibri Light"/>
         <a:ea typeface=""/>
         <a:cs typeface=""/>
         <a:font script="Jpan" typeface="ＭＳ Ｐゴシック"/>
@@ -3884,7 +3851,7 @@
         <a:font script="Geor" typeface="Sylfaen"/>
       </a:majorFont>
       <a:minorFont>
-        <a:latin typeface="Calibri" panose="020F0502020204030204"/>
+        <a:latin typeface="Calibri"/>
         <a:ea typeface=""/>
         <a:cs typeface=""/>
         <a:font script="Jpan" typeface="ＭＳ Ｐゴシック"/>
@@ -4061,7 +4028,7 @@
   <a:extraClrSchemeLst/>
   <a:extLst>
     <a:ext uri="{05A4C25C-085E-4340-85A3-A5531E510DB2}">
-      <thm15:themeFamily xmlns:thm15="http://schemas.microsoft.com/office/thememl/2012/main" name="Office Theme" id="{62F939B6-93AF-4DB8-9C6B-D6C7DFDC589F}" vid="{4A3C46E8-61CC-4603-A589-7422A47A8E4A}"/>
+      <thm15:themeFamily xmlns:thm15="http://schemas.microsoft.com/office/thememl/2012/main" xmlns="" name="Office Theme" id="{62F939B6-93AF-4DB8-9C6B-D6C7DFDC589F}" vid="{4A3C46E8-61CC-4603-A589-7422A47A8E4A}"/>
     </a:ext>
   </a:extLst>
 </a:theme>
